--- a/check_in_wizard/block_digram.pptx
+++ b/check_in_wizard/block_digram.pptx
@@ -6,6 +6,7 @@
   </p:sldMasterIdLst>
   <p:sldIdLst>
     <p:sldId id="256" r:id="rId2"/>
+    <p:sldId id="257" r:id="rId3"/>
   </p:sldIdLst>
   <p:sldSz cx="12192000" cy="6858000"/>
   <p:notesSz cx="6858000" cy="9144000"/>
@@ -104,6 +105,11 @@
       </a:defRPr>
     </a:lvl9pPr>
   </p:defaultTextStyle>
+  <p:extLst>
+    <p:ext uri="{EFAFB233-063F-42B5-8137-9DF3F51BA10A}">
+      <p15:sldGuideLst xmlns:p15="http://schemas.microsoft.com/office/powerpoint/2012/main"/>
+    </p:ext>
+  </p:extLst>
 </p:presentation>
 </file>
 
@@ -256,7 +262,7 @@
           <a:p>
             <a:fld id="{9B601E9B-A61C-4E2B-96FA-21F45B38DAEE}" type="datetimeFigureOut">
               <a:rPr lang="vi-VN" smtClean="0"/>
-              <a:t>28/02/2024</a:t>
+              <a:t>04/05/2024</a:t>
             </a:fld>
             <a:endParaRPr lang="vi-VN"/>
           </a:p>
@@ -456,7 +462,7 @@
           <a:p>
             <a:fld id="{9B601E9B-A61C-4E2B-96FA-21F45B38DAEE}" type="datetimeFigureOut">
               <a:rPr lang="vi-VN" smtClean="0"/>
-              <a:t>28/02/2024</a:t>
+              <a:t>04/05/2024</a:t>
             </a:fld>
             <a:endParaRPr lang="vi-VN"/>
           </a:p>
@@ -666,7 +672,7 @@
           <a:p>
             <a:fld id="{9B601E9B-A61C-4E2B-96FA-21F45B38DAEE}" type="datetimeFigureOut">
               <a:rPr lang="vi-VN" smtClean="0"/>
-              <a:t>28/02/2024</a:t>
+              <a:t>04/05/2024</a:t>
             </a:fld>
             <a:endParaRPr lang="vi-VN"/>
           </a:p>
@@ -866,7 +872,7 @@
           <a:p>
             <a:fld id="{9B601E9B-A61C-4E2B-96FA-21F45B38DAEE}" type="datetimeFigureOut">
               <a:rPr lang="vi-VN" smtClean="0"/>
-              <a:t>28/02/2024</a:t>
+              <a:t>04/05/2024</a:t>
             </a:fld>
             <a:endParaRPr lang="vi-VN"/>
           </a:p>
@@ -1142,7 +1148,7 @@
           <a:p>
             <a:fld id="{9B601E9B-A61C-4E2B-96FA-21F45B38DAEE}" type="datetimeFigureOut">
               <a:rPr lang="vi-VN" smtClean="0"/>
-              <a:t>28/02/2024</a:t>
+              <a:t>04/05/2024</a:t>
             </a:fld>
             <a:endParaRPr lang="vi-VN"/>
           </a:p>
@@ -1410,7 +1416,7 @@
           <a:p>
             <a:fld id="{9B601E9B-A61C-4E2B-96FA-21F45B38DAEE}" type="datetimeFigureOut">
               <a:rPr lang="vi-VN" smtClean="0"/>
-              <a:t>28/02/2024</a:t>
+              <a:t>04/05/2024</a:t>
             </a:fld>
             <a:endParaRPr lang="vi-VN"/>
           </a:p>
@@ -1825,7 +1831,7 @@
           <a:p>
             <a:fld id="{9B601E9B-A61C-4E2B-96FA-21F45B38DAEE}" type="datetimeFigureOut">
               <a:rPr lang="vi-VN" smtClean="0"/>
-              <a:t>28/02/2024</a:t>
+              <a:t>04/05/2024</a:t>
             </a:fld>
             <a:endParaRPr lang="vi-VN"/>
           </a:p>
@@ -1967,7 +1973,7 @@
           <a:p>
             <a:fld id="{9B601E9B-A61C-4E2B-96FA-21F45B38DAEE}" type="datetimeFigureOut">
               <a:rPr lang="vi-VN" smtClean="0"/>
-              <a:t>28/02/2024</a:t>
+              <a:t>04/05/2024</a:t>
             </a:fld>
             <a:endParaRPr lang="vi-VN"/>
           </a:p>
@@ -2080,7 +2086,7 @@
           <a:p>
             <a:fld id="{9B601E9B-A61C-4E2B-96FA-21F45B38DAEE}" type="datetimeFigureOut">
               <a:rPr lang="vi-VN" smtClean="0"/>
-              <a:t>28/02/2024</a:t>
+              <a:t>04/05/2024</a:t>
             </a:fld>
             <a:endParaRPr lang="vi-VN"/>
           </a:p>
@@ -2393,7 +2399,7 @@
           <a:p>
             <a:fld id="{9B601E9B-A61C-4E2B-96FA-21F45B38DAEE}" type="datetimeFigureOut">
               <a:rPr lang="vi-VN" smtClean="0"/>
-              <a:t>28/02/2024</a:t>
+              <a:t>04/05/2024</a:t>
             </a:fld>
             <a:endParaRPr lang="vi-VN"/>
           </a:p>
@@ -2682,7 +2688,7 @@
           <a:p>
             <a:fld id="{9B601E9B-A61C-4E2B-96FA-21F45B38DAEE}" type="datetimeFigureOut">
               <a:rPr lang="vi-VN" smtClean="0"/>
-              <a:t>28/02/2024</a:t>
+              <a:t>04/05/2024</a:t>
             </a:fld>
             <a:endParaRPr lang="vi-VN"/>
           </a:p>
@@ -2925,7 +2931,7 @@
           <a:p>
             <a:fld id="{9B601E9B-A61C-4E2B-96FA-21F45B38DAEE}" type="datetimeFigureOut">
               <a:rPr lang="vi-VN" smtClean="0"/>
-              <a:t>28/02/2024</a:t>
+              <a:t>04/05/2024</a:t>
             </a:fld>
             <a:endParaRPr lang="vi-VN"/>
           </a:p>
@@ -3689,14 +3695,12 @@
           </p:cNvPr>
           <p:cNvCxnSpPr>
             <a:cxnSpLocks/>
-            <a:stCxn id="5" idx="3"/>
-            <a:endCxn id="4" idx="1"/>
           </p:cNvCxnSpPr>
           <p:nvPr/>
         </p:nvCxnSpPr>
         <p:spPr>
           <a:xfrm>
-            <a:off x="3413413" y="3355685"/>
+            <a:off x="3413413" y="3420336"/>
             <a:ext cx="1463965" cy="2"/>
           </a:xfrm>
           <a:prstGeom prst="straightConnector1">
@@ -3948,7 +3952,7 @@
         </p:nvSpPr>
         <p:spPr>
           <a:xfrm>
-            <a:off x="3524249" y="3406259"/>
+            <a:off x="3524249" y="3470910"/>
             <a:ext cx="1496291" cy="400110"/>
           </a:xfrm>
           <a:prstGeom prst="rect">
@@ -4017,10 +4021,881 @@
           </a:p>
         </p:txBody>
       </p:sp>
+      <p:cxnSp>
+        <p:nvCxnSpPr>
+          <p:cNvPr id="11" name="Straight Arrow Connector 10">
+            <a:extLst>
+              <a:ext uri="{FF2B5EF4-FFF2-40B4-BE49-F238E27FC236}">
+                <a16:creationId xmlns:a16="http://schemas.microsoft.com/office/drawing/2014/main" id="{04DEFBAC-AE89-2F54-8290-BF304412554F}"/>
+              </a:ext>
+            </a:extLst>
+          </p:cNvPr>
+          <p:cNvCxnSpPr>
+            <a:cxnSpLocks/>
+          </p:cNvCxnSpPr>
+          <p:nvPr/>
+        </p:nvCxnSpPr>
+        <p:spPr>
+          <a:xfrm>
+            <a:off x="3466522" y="3225341"/>
+            <a:ext cx="1410856" cy="0"/>
+          </a:xfrm>
+          <a:prstGeom prst="straightConnector1">
+            <a:avLst/>
+          </a:prstGeom>
+          <a:ln w="57150">
+            <a:solidFill>
+              <a:srgbClr val="397DCF"/>
+            </a:solidFill>
+            <a:tailEnd type="triangle"/>
+          </a:ln>
+        </p:spPr>
+        <p:style>
+          <a:lnRef idx="1">
+            <a:schemeClr val="accent1"/>
+          </a:lnRef>
+          <a:fillRef idx="0">
+            <a:schemeClr val="accent1"/>
+          </a:fillRef>
+          <a:effectRef idx="0">
+            <a:schemeClr val="accent1"/>
+          </a:effectRef>
+          <a:fontRef idx="minor">
+            <a:schemeClr val="tx1"/>
+          </a:fontRef>
+        </p:style>
+      </p:cxnSp>
+      <p:sp>
+        <p:nvSpPr>
+          <p:cNvPr id="15" name="TextBox 14">
+            <a:extLst>
+              <a:ext uri="{FF2B5EF4-FFF2-40B4-BE49-F238E27FC236}">
+                <a16:creationId xmlns:a16="http://schemas.microsoft.com/office/drawing/2014/main" id="{E47C9AE1-C197-C84C-3FE6-8968AF13D855}"/>
+              </a:ext>
+            </a:extLst>
+          </p:cNvPr>
+          <p:cNvSpPr txBox="1"/>
+          <p:nvPr/>
+        </p:nvSpPr>
+        <p:spPr>
+          <a:xfrm>
+            <a:off x="3524248" y="2808227"/>
+            <a:ext cx="1496291" cy="400110"/>
+          </a:xfrm>
+          <a:prstGeom prst="rect">
+            <a:avLst/>
+          </a:prstGeom>
+          <a:noFill/>
+        </p:spPr>
+        <p:txBody>
+          <a:bodyPr wrap="square">
+            <a:spAutoFit/>
+          </a:bodyPr>
+          <a:lstStyle/>
+          <a:p>
+            <a:pPr algn="l"/>
+            <a:r>
+              <a:rPr lang="vi-VN" sz="2000" b="1" i="0">
+                <a:effectLst/>
+                <a:latin typeface="ca"/>
+                <a:cs typeface="Calibri" panose="020F0502020204030204" pitchFamily="34" charset="0"/>
+              </a:rPr>
+              <a:t>POWER</a:t>
+            </a:r>
+          </a:p>
+        </p:txBody>
+      </p:sp>
     </p:spTree>
     <p:extLst>
       <p:ext uri="{BB962C8B-B14F-4D97-AF65-F5344CB8AC3E}">
         <p14:creationId xmlns:p14="http://schemas.microsoft.com/office/powerpoint/2010/main" val="2192812299"/>
+      </p:ext>
+    </p:extLst>
+  </p:cSld>
+  <p:clrMapOvr>
+    <a:masterClrMapping/>
+  </p:clrMapOvr>
+</p:sld>
+</file>
+
+<file path=ppt/slides/slide2.xml><?xml version="1.0" encoding="utf-8"?>
+<p:sld xmlns:a="http://schemas.openxmlformats.org/drawingml/2006/main" xmlns:r="http://schemas.openxmlformats.org/officeDocument/2006/relationships" xmlns:p="http://schemas.openxmlformats.org/presentationml/2006/main">
+  <p:cSld>
+    <p:spTree>
+      <p:nvGrpSpPr>
+        <p:cNvPr id="1" name=""/>
+        <p:cNvGrpSpPr/>
+        <p:nvPr/>
+      </p:nvGrpSpPr>
+      <p:grpSpPr>
+        <a:xfrm>
+          <a:off x="0" y="0"/>
+          <a:ext cx="0" cy="0"/>
+          <a:chOff x="0" y="0"/>
+          <a:chExt cx="0" cy="0"/>
+        </a:xfrm>
+      </p:grpSpPr>
+      <p:sp>
+        <p:nvSpPr>
+          <p:cNvPr id="4" name="Rectangle 3">
+            <a:extLst>
+              <a:ext uri="{FF2B5EF4-FFF2-40B4-BE49-F238E27FC236}">
+                <a16:creationId xmlns:a16="http://schemas.microsoft.com/office/drawing/2014/main" id="{CB7A914E-7B7A-EFD8-CA32-B9F2A825B094}"/>
+              </a:ext>
+            </a:extLst>
+          </p:cNvPr>
+          <p:cNvSpPr/>
+          <p:nvPr/>
+        </p:nvSpPr>
+        <p:spPr>
+          <a:xfrm>
+            <a:off x="4877378" y="2746087"/>
+            <a:ext cx="3195781" cy="1219200"/>
+          </a:xfrm>
+          <a:prstGeom prst="rect">
+            <a:avLst/>
+          </a:prstGeom>
+          <a:solidFill>
+            <a:srgbClr val="40ACF6"/>
+          </a:solidFill>
+          <a:ln>
+            <a:noFill/>
+          </a:ln>
+        </p:spPr>
+        <p:style>
+          <a:lnRef idx="2">
+            <a:schemeClr val="dk1">
+              <a:shade val="15000"/>
+            </a:schemeClr>
+          </a:lnRef>
+          <a:fillRef idx="1">
+            <a:schemeClr val="dk1"/>
+          </a:fillRef>
+          <a:effectRef idx="0">
+            <a:schemeClr val="dk1"/>
+          </a:effectRef>
+          <a:fontRef idx="minor">
+            <a:schemeClr val="lt1"/>
+          </a:fontRef>
+        </p:style>
+        <p:txBody>
+          <a:bodyPr rtlCol="0" anchor="ctr"/>
+          <a:lstStyle/>
+          <a:p>
+            <a:pPr algn="ctr"/>
+            <a:r>
+              <a:rPr lang="en-US" sz="3000" b="1"/>
+              <a:t>STM32</a:t>
+            </a:r>
+            <a:endParaRPr lang="vi-VN" sz="3000" b="1"/>
+          </a:p>
+        </p:txBody>
+      </p:sp>
+      <p:sp>
+        <p:nvSpPr>
+          <p:cNvPr id="5" name="Rectangle 4">
+            <a:extLst>
+              <a:ext uri="{FF2B5EF4-FFF2-40B4-BE49-F238E27FC236}">
+                <a16:creationId xmlns:a16="http://schemas.microsoft.com/office/drawing/2014/main" id="{8530DD7F-3E8E-15B7-1F10-2D80A050F291}"/>
+              </a:ext>
+            </a:extLst>
+          </p:cNvPr>
+          <p:cNvSpPr/>
+          <p:nvPr/>
+        </p:nvSpPr>
+        <p:spPr>
+          <a:xfrm>
+            <a:off x="1917122" y="2997776"/>
+            <a:ext cx="1496291" cy="715818"/>
+          </a:xfrm>
+          <a:prstGeom prst="rect">
+            <a:avLst/>
+          </a:prstGeom>
+          <a:solidFill>
+            <a:srgbClr val="D68DF3"/>
+          </a:solidFill>
+          <a:ln>
+            <a:noFill/>
+          </a:ln>
+        </p:spPr>
+        <p:style>
+          <a:lnRef idx="2">
+            <a:schemeClr val="accent1">
+              <a:shade val="15000"/>
+            </a:schemeClr>
+          </a:lnRef>
+          <a:fillRef idx="1">
+            <a:schemeClr val="accent1"/>
+          </a:fillRef>
+          <a:effectRef idx="0">
+            <a:schemeClr val="accent1"/>
+          </a:effectRef>
+          <a:fontRef idx="minor">
+            <a:schemeClr val="lt1"/>
+          </a:fontRef>
+        </p:style>
+        <p:txBody>
+          <a:bodyPr rtlCol="0" anchor="ctr"/>
+          <a:lstStyle/>
+          <a:p>
+            <a:pPr algn="ctr"/>
+            <a:r>
+              <a:rPr lang="en-US"/>
+              <a:t>USB port</a:t>
+            </a:r>
+            <a:endParaRPr lang="vi-VN"/>
+          </a:p>
+        </p:txBody>
+      </p:sp>
+      <p:sp>
+        <p:nvSpPr>
+          <p:cNvPr id="6" name="Rectangle 5">
+            <a:extLst>
+              <a:ext uri="{FF2B5EF4-FFF2-40B4-BE49-F238E27FC236}">
+                <a16:creationId xmlns:a16="http://schemas.microsoft.com/office/drawing/2014/main" id="{F21032E7-B962-2D6A-7D39-B7E6E7735A82}"/>
+              </a:ext>
+            </a:extLst>
+          </p:cNvPr>
+          <p:cNvSpPr/>
+          <p:nvPr/>
+        </p:nvSpPr>
+        <p:spPr>
+          <a:xfrm>
+            <a:off x="1478394" y="4745758"/>
+            <a:ext cx="2373745" cy="1542473"/>
+          </a:xfrm>
+          <a:prstGeom prst="rect">
+            <a:avLst/>
+          </a:prstGeom>
+          <a:solidFill>
+            <a:srgbClr val="F89510"/>
+          </a:solidFill>
+          <a:ln>
+            <a:noFill/>
+          </a:ln>
+        </p:spPr>
+        <p:style>
+          <a:lnRef idx="2">
+            <a:schemeClr val="accent1">
+              <a:shade val="15000"/>
+            </a:schemeClr>
+          </a:lnRef>
+          <a:fillRef idx="1">
+            <a:schemeClr val="accent1"/>
+          </a:fillRef>
+          <a:effectRef idx="0">
+            <a:schemeClr val="accent1"/>
+          </a:effectRef>
+          <a:fontRef idx="minor">
+            <a:schemeClr val="lt1"/>
+          </a:fontRef>
+        </p:style>
+        <p:txBody>
+          <a:bodyPr rtlCol="0" anchor="ctr"/>
+          <a:lstStyle/>
+          <a:p>
+            <a:pPr algn="ctr"/>
+            <a:r>
+              <a:rPr lang="en-US"/>
+              <a:t>Database</a:t>
+            </a:r>
+            <a:endParaRPr lang="vi-VN"/>
+          </a:p>
+        </p:txBody>
+      </p:sp>
+      <p:sp>
+        <p:nvSpPr>
+          <p:cNvPr id="7" name="Rectangle 6">
+            <a:extLst>
+              <a:ext uri="{FF2B5EF4-FFF2-40B4-BE49-F238E27FC236}">
+                <a16:creationId xmlns:a16="http://schemas.microsoft.com/office/drawing/2014/main" id="{A6CF1917-0243-5B09-B168-D7BCC4B0C192}"/>
+              </a:ext>
+            </a:extLst>
+          </p:cNvPr>
+          <p:cNvSpPr/>
+          <p:nvPr/>
+        </p:nvSpPr>
+        <p:spPr>
+          <a:xfrm>
+            <a:off x="5794085" y="529360"/>
+            <a:ext cx="1362363" cy="923636"/>
+          </a:xfrm>
+          <a:prstGeom prst="rect">
+            <a:avLst/>
+          </a:prstGeom>
+          <a:solidFill>
+            <a:srgbClr val="76D351"/>
+          </a:solidFill>
+          <a:ln>
+            <a:noFill/>
+          </a:ln>
+        </p:spPr>
+        <p:style>
+          <a:lnRef idx="2">
+            <a:schemeClr val="accent1">
+              <a:shade val="15000"/>
+            </a:schemeClr>
+          </a:lnRef>
+          <a:fillRef idx="1">
+            <a:schemeClr val="accent1"/>
+          </a:fillRef>
+          <a:effectRef idx="0">
+            <a:schemeClr val="accent1"/>
+          </a:effectRef>
+          <a:fontRef idx="minor">
+            <a:schemeClr val="lt1"/>
+          </a:fontRef>
+        </p:style>
+        <p:txBody>
+          <a:bodyPr rtlCol="0" anchor="ctr"/>
+          <a:lstStyle/>
+          <a:p>
+            <a:pPr algn="ctr"/>
+            <a:r>
+              <a:rPr lang="en-US"/>
+              <a:t>OLED</a:t>
+            </a:r>
+            <a:endParaRPr lang="vi-VN"/>
+          </a:p>
+        </p:txBody>
+      </p:sp>
+      <p:sp>
+        <p:nvSpPr>
+          <p:cNvPr id="8" name="Rectangle 7">
+            <a:extLst>
+              <a:ext uri="{FF2B5EF4-FFF2-40B4-BE49-F238E27FC236}">
+                <a16:creationId xmlns:a16="http://schemas.microsoft.com/office/drawing/2014/main" id="{F2526D8C-97E2-DF57-470A-6C50D8B471EE}"/>
+              </a:ext>
+            </a:extLst>
+          </p:cNvPr>
+          <p:cNvSpPr/>
+          <p:nvPr/>
+        </p:nvSpPr>
+        <p:spPr>
+          <a:xfrm>
+            <a:off x="5288395" y="4745758"/>
+            <a:ext cx="2373745" cy="1542473"/>
+          </a:xfrm>
+          <a:prstGeom prst="rect">
+            <a:avLst/>
+          </a:prstGeom>
+          <a:solidFill>
+            <a:srgbClr val="397DCF"/>
+          </a:solidFill>
+          <a:ln>
+            <a:noFill/>
+          </a:ln>
+        </p:spPr>
+        <p:style>
+          <a:lnRef idx="2">
+            <a:schemeClr val="accent1">
+              <a:shade val="15000"/>
+            </a:schemeClr>
+          </a:lnRef>
+          <a:fillRef idx="1">
+            <a:schemeClr val="accent1"/>
+          </a:fillRef>
+          <a:effectRef idx="0">
+            <a:schemeClr val="accent1"/>
+          </a:effectRef>
+          <a:fontRef idx="minor">
+            <a:schemeClr val="lt1"/>
+          </a:fontRef>
+        </p:style>
+        <p:txBody>
+          <a:bodyPr rtlCol="0" anchor="ctr"/>
+          <a:lstStyle/>
+          <a:p>
+            <a:pPr algn="ctr"/>
+            <a:r>
+              <a:rPr lang="en-US"/>
+              <a:t>RFID</a:t>
+            </a:r>
+            <a:endParaRPr lang="vi-VN"/>
+          </a:p>
+        </p:txBody>
+      </p:sp>
+      <p:sp>
+        <p:nvSpPr>
+          <p:cNvPr id="9" name="Rectangle 8">
+            <a:extLst>
+              <a:ext uri="{FF2B5EF4-FFF2-40B4-BE49-F238E27FC236}">
+                <a16:creationId xmlns:a16="http://schemas.microsoft.com/office/drawing/2014/main" id="{D21826FB-469D-36DC-337A-F4177575226B}"/>
+              </a:ext>
+            </a:extLst>
+          </p:cNvPr>
+          <p:cNvSpPr/>
+          <p:nvPr/>
+        </p:nvSpPr>
+        <p:spPr>
+          <a:xfrm>
+            <a:off x="9484015" y="2873085"/>
+            <a:ext cx="1103743" cy="955965"/>
+          </a:xfrm>
+          <a:prstGeom prst="rect">
+            <a:avLst/>
+          </a:prstGeom>
+          <a:solidFill>
+            <a:srgbClr val="FF5D5D"/>
+          </a:solidFill>
+          <a:ln>
+            <a:noFill/>
+          </a:ln>
+        </p:spPr>
+        <p:style>
+          <a:lnRef idx="2">
+            <a:schemeClr val="accent1">
+              <a:shade val="15000"/>
+            </a:schemeClr>
+          </a:lnRef>
+          <a:fillRef idx="1">
+            <a:schemeClr val="accent1"/>
+          </a:fillRef>
+          <a:effectRef idx="0">
+            <a:schemeClr val="accent1"/>
+          </a:effectRef>
+          <a:fontRef idx="minor">
+            <a:schemeClr val="lt1"/>
+          </a:fontRef>
+        </p:style>
+        <p:txBody>
+          <a:bodyPr rtlCol="0" anchor="ctr"/>
+          <a:lstStyle/>
+          <a:p>
+            <a:pPr algn="ctr"/>
+            <a:r>
+              <a:rPr lang="en-US"/>
+              <a:t>Buzzer</a:t>
+            </a:r>
+            <a:endParaRPr lang="vi-VN"/>
+          </a:p>
+        </p:txBody>
+      </p:sp>
+      <p:cxnSp>
+        <p:nvCxnSpPr>
+          <p:cNvPr id="14" name="Straight Arrow Connector 13">
+            <a:extLst>
+              <a:ext uri="{FF2B5EF4-FFF2-40B4-BE49-F238E27FC236}">
+                <a16:creationId xmlns:a16="http://schemas.microsoft.com/office/drawing/2014/main" id="{7C87135E-8129-5AF8-0CE5-3FB3B6777CBD}"/>
+              </a:ext>
+            </a:extLst>
+          </p:cNvPr>
+          <p:cNvCxnSpPr>
+            <a:cxnSpLocks/>
+          </p:cNvCxnSpPr>
+          <p:nvPr/>
+        </p:nvCxnSpPr>
+        <p:spPr>
+          <a:xfrm>
+            <a:off x="3413413" y="3420336"/>
+            <a:ext cx="1463965" cy="2"/>
+          </a:xfrm>
+          <a:prstGeom prst="straightConnector1">
+            <a:avLst/>
+          </a:prstGeom>
+          <a:ln w="57150">
+            <a:headEnd type="triangle"/>
+            <a:tailEnd type="triangle"/>
+          </a:ln>
+        </p:spPr>
+        <p:style>
+          <a:lnRef idx="1">
+            <a:schemeClr val="accent1"/>
+          </a:lnRef>
+          <a:fillRef idx="0">
+            <a:schemeClr val="accent1"/>
+          </a:fillRef>
+          <a:effectRef idx="0">
+            <a:schemeClr val="accent1"/>
+          </a:effectRef>
+          <a:fontRef idx="minor">
+            <a:schemeClr val="tx1"/>
+          </a:fontRef>
+        </p:style>
+      </p:cxnSp>
+      <p:cxnSp>
+        <p:nvCxnSpPr>
+          <p:cNvPr id="20" name="Straight Arrow Connector 19">
+            <a:extLst>
+              <a:ext uri="{FF2B5EF4-FFF2-40B4-BE49-F238E27FC236}">
+                <a16:creationId xmlns:a16="http://schemas.microsoft.com/office/drawing/2014/main" id="{9B6EC2E6-2475-DF62-8147-08B513FCBE1F}"/>
+              </a:ext>
+            </a:extLst>
+          </p:cNvPr>
+          <p:cNvCxnSpPr>
+            <a:cxnSpLocks/>
+            <a:stCxn id="5" idx="2"/>
+            <a:endCxn id="6" idx="0"/>
+          </p:cNvCxnSpPr>
+          <p:nvPr/>
+        </p:nvCxnSpPr>
+        <p:spPr>
+          <a:xfrm flipH="1">
+            <a:off x="2665267" y="3713594"/>
+            <a:ext cx="1" cy="1032164"/>
+          </a:xfrm>
+          <a:prstGeom prst="straightConnector1">
+            <a:avLst/>
+          </a:prstGeom>
+          <a:ln w="57150">
+            <a:headEnd type="triangle"/>
+            <a:tailEnd type="triangle"/>
+          </a:ln>
+        </p:spPr>
+        <p:style>
+          <a:lnRef idx="1">
+            <a:schemeClr val="accent1"/>
+          </a:lnRef>
+          <a:fillRef idx="0">
+            <a:schemeClr val="accent1"/>
+          </a:fillRef>
+          <a:effectRef idx="0">
+            <a:schemeClr val="accent1"/>
+          </a:effectRef>
+          <a:fontRef idx="minor">
+            <a:schemeClr val="tx1"/>
+          </a:fontRef>
+        </p:style>
+      </p:cxnSp>
+      <p:cxnSp>
+        <p:nvCxnSpPr>
+          <p:cNvPr id="27" name="Straight Arrow Connector 26">
+            <a:extLst>
+              <a:ext uri="{FF2B5EF4-FFF2-40B4-BE49-F238E27FC236}">
+                <a16:creationId xmlns:a16="http://schemas.microsoft.com/office/drawing/2014/main" id="{DA26D0B1-E0FD-F51B-63CE-03478DD0ED76}"/>
+              </a:ext>
+            </a:extLst>
+          </p:cNvPr>
+          <p:cNvCxnSpPr>
+            <a:cxnSpLocks/>
+            <a:stCxn id="4" idx="2"/>
+            <a:endCxn id="8" idx="0"/>
+          </p:cNvCxnSpPr>
+          <p:nvPr/>
+        </p:nvCxnSpPr>
+        <p:spPr>
+          <a:xfrm flipH="1">
+            <a:off x="6475268" y="3965287"/>
+            <a:ext cx="1" cy="780471"/>
+          </a:xfrm>
+          <a:prstGeom prst="straightConnector1">
+            <a:avLst/>
+          </a:prstGeom>
+          <a:ln w="57150">
+            <a:headEnd type="triangle"/>
+            <a:tailEnd type="triangle"/>
+          </a:ln>
+        </p:spPr>
+        <p:style>
+          <a:lnRef idx="1">
+            <a:schemeClr val="accent1"/>
+          </a:lnRef>
+          <a:fillRef idx="0">
+            <a:schemeClr val="accent1"/>
+          </a:fillRef>
+          <a:effectRef idx="0">
+            <a:schemeClr val="accent1"/>
+          </a:effectRef>
+          <a:fontRef idx="minor">
+            <a:schemeClr val="tx1"/>
+          </a:fontRef>
+        </p:style>
+      </p:cxnSp>
+      <p:cxnSp>
+        <p:nvCxnSpPr>
+          <p:cNvPr id="31" name="Straight Arrow Connector 30">
+            <a:extLst>
+              <a:ext uri="{FF2B5EF4-FFF2-40B4-BE49-F238E27FC236}">
+                <a16:creationId xmlns:a16="http://schemas.microsoft.com/office/drawing/2014/main" id="{6028EE4B-95E0-3E7B-2C0F-D3DF14F144F1}"/>
+              </a:ext>
+            </a:extLst>
+          </p:cNvPr>
+          <p:cNvCxnSpPr>
+            <a:cxnSpLocks/>
+            <a:stCxn id="4" idx="3"/>
+            <a:endCxn id="9" idx="1"/>
+          </p:cNvCxnSpPr>
+          <p:nvPr/>
+        </p:nvCxnSpPr>
+        <p:spPr>
+          <a:xfrm flipV="1">
+            <a:off x="8073159" y="3351068"/>
+            <a:ext cx="1410856" cy="4619"/>
+          </a:xfrm>
+          <a:prstGeom prst="straightConnector1">
+            <a:avLst/>
+          </a:prstGeom>
+          <a:ln w="57150">
+            <a:headEnd type="triangle"/>
+            <a:tailEnd type="triangle"/>
+          </a:ln>
+        </p:spPr>
+        <p:style>
+          <a:lnRef idx="1">
+            <a:schemeClr val="accent1"/>
+          </a:lnRef>
+          <a:fillRef idx="0">
+            <a:schemeClr val="accent1"/>
+          </a:fillRef>
+          <a:effectRef idx="0">
+            <a:schemeClr val="accent1"/>
+          </a:effectRef>
+          <a:fontRef idx="minor">
+            <a:schemeClr val="tx1"/>
+          </a:fontRef>
+        </p:style>
+      </p:cxnSp>
+      <p:cxnSp>
+        <p:nvCxnSpPr>
+          <p:cNvPr id="36" name="Straight Arrow Connector 35">
+            <a:extLst>
+              <a:ext uri="{FF2B5EF4-FFF2-40B4-BE49-F238E27FC236}">
+                <a16:creationId xmlns:a16="http://schemas.microsoft.com/office/drawing/2014/main" id="{6EC7D015-8569-AF31-BD31-A90ABF7E2799}"/>
+              </a:ext>
+            </a:extLst>
+          </p:cNvPr>
+          <p:cNvCxnSpPr>
+            <a:cxnSpLocks/>
+            <a:stCxn id="7" idx="2"/>
+            <a:endCxn id="4" idx="0"/>
+          </p:cNvCxnSpPr>
+          <p:nvPr/>
+        </p:nvCxnSpPr>
+        <p:spPr>
+          <a:xfrm>
+            <a:off x="6475267" y="1452996"/>
+            <a:ext cx="2" cy="1293091"/>
+          </a:xfrm>
+          <a:prstGeom prst="straightConnector1">
+            <a:avLst/>
+          </a:prstGeom>
+          <a:ln w="57150">
+            <a:headEnd type="triangle"/>
+            <a:tailEnd type="triangle"/>
+          </a:ln>
+        </p:spPr>
+        <p:style>
+          <a:lnRef idx="1">
+            <a:schemeClr val="accent1"/>
+          </a:lnRef>
+          <a:fillRef idx="0">
+            <a:schemeClr val="accent1"/>
+          </a:fillRef>
+          <a:effectRef idx="0">
+            <a:schemeClr val="accent1"/>
+          </a:effectRef>
+          <a:fontRef idx="minor">
+            <a:schemeClr val="tx1"/>
+          </a:fontRef>
+        </p:style>
+      </p:cxnSp>
+      <p:sp>
+        <p:nvSpPr>
+          <p:cNvPr id="43" name="TextBox 42">
+            <a:extLst>
+              <a:ext uri="{FF2B5EF4-FFF2-40B4-BE49-F238E27FC236}">
+                <a16:creationId xmlns:a16="http://schemas.microsoft.com/office/drawing/2014/main" id="{11861AE4-A858-3C0F-FC7F-6A5C5D5D1AFD}"/>
+              </a:ext>
+            </a:extLst>
+          </p:cNvPr>
+          <p:cNvSpPr txBox="1"/>
+          <p:nvPr/>
+        </p:nvSpPr>
+        <p:spPr>
+          <a:xfrm>
+            <a:off x="6505575" y="4132756"/>
+            <a:ext cx="771524" cy="400110"/>
+          </a:xfrm>
+          <a:prstGeom prst="rect">
+            <a:avLst/>
+          </a:prstGeom>
+          <a:noFill/>
+        </p:spPr>
+        <p:txBody>
+          <a:bodyPr wrap="square" rtlCol="0">
+            <a:spAutoFit/>
+          </a:bodyPr>
+          <a:lstStyle/>
+          <a:p>
+            <a:r>
+              <a:rPr lang="en-US" sz="2000" b="1"/>
+              <a:t>SPI</a:t>
+            </a:r>
+            <a:endParaRPr lang="vi-VN" sz="2000" b="1"/>
+          </a:p>
+        </p:txBody>
+      </p:sp>
+      <p:sp>
+        <p:nvSpPr>
+          <p:cNvPr id="45" name="TextBox 44">
+            <a:extLst>
+              <a:ext uri="{FF2B5EF4-FFF2-40B4-BE49-F238E27FC236}">
+                <a16:creationId xmlns:a16="http://schemas.microsoft.com/office/drawing/2014/main" id="{6697DF65-B581-FC3E-0D95-B3BDB5BF0855}"/>
+              </a:ext>
+            </a:extLst>
+          </p:cNvPr>
+          <p:cNvSpPr txBox="1"/>
+          <p:nvPr/>
+        </p:nvSpPr>
+        <p:spPr>
+          <a:xfrm>
+            <a:off x="3524249" y="3470910"/>
+            <a:ext cx="1496291" cy="400110"/>
+          </a:xfrm>
+          <a:prstGeom prst="rect">
+            <a:avLst/>
+          </a:prstGeom>
+          <a:noFill/>
+        </p:spPr>
+        <p:txBody>
+          <a:bodyPr wrap="square">
+            <a:spAutoFit/>
+          </a:bodyPr>
+          <a:lstStyle/>
+          <a:p>
+            <a:pPr algn="l"/>
+            <a:r>
+              <a:rPr lang="vi-VN" sz="2000" b="1" i="0">
+                <a:effectLst/>
+                <a:latin typeface="ca"/>
+              </a:rPr>
+              <a:t>USB </a:t>
+            </a:r>
+            <a:r>
+              <a:rPr lang="vi-VN" sz="2000" b="1" i="0">
+                <a:effectLst/>
+                <a:latin typeface="ca"/>
+                <a:cs typeface="Calibri" panose="020F0502020204030204" pitchFamily="34" charset="0"/>
+              </a:rPr>
+              <a:t>CDC</a:t>
+            </a:r>
+          </a:p>
+        </p:txBody>
+      </p:sp>
+      <p:sp>
+        <p:nvSpPr>
+          <p:cNvPr id="46" name="TextBox 45">
+            <a:extLst>
+              <a:ext uri="{FF2B5EF4-FFF2-40B4-BE49-F238E27FC236}">
+                <a16:creationId xmlns:a16="http://schemas.microsoft.com/office/drawing/2014/main" id="{45898DCB-535A-E1EA-3889-8AEF9F842B64}"/>
+              </a:ext>
+            </a:extLst>
+          </p:cNvPr>
+          <p:cNvSpPr txBox="1"/>
+          <p:nvPr/>
+        </p:nvSpPr>
+        <p:spPr>
+          <a:xfrm>
+            <a:off x="6505575" y="1910424"/>
+            <a:ext cx="771524" cy="400110"/>
+          </a:xfrm>
+          <a:prstGeom prst="rect">
+            <a:avLst/>
+          </a:prstGeom>
+          <a:noFill/>
+        </p:spPr>
+        <p:txBody>
+          <a:bodyPr wrap="square" rtlCol="0">
+            <a:spAutoFit/>
+          </a:bodyPr>
+          <a:lstStyle/>
+          <a:p>
+            <a:r>
+              <a:rPr lang="en-US" sz="2000" b="1"/>
+              <a:t>I2C</a:t>
+            </a:r>
+            <a:endParaRPr lang="vi-VN" sz="2000" b="1"/>
+          </a:p>
+        </p:txBody>
+      </p:sp>
+      <p:cxnSp>
+        <p:nvCxnSpPr>
+          <p:cNvPr id="11" name="Straight Arrow Connector 10">
+            <a:extLst>
+              <a:ext uri="{FF2B5EF4-FFF2-40B4-BE49-F238E27FC236}">
+                <a16:creationId xmlns:a16="http://schemas.microsoft.com/office/drawing/2014/main" id="{04DEFBAC-AE89-2F54-8290-BF304412554F}"/>
+              </a:ext>
+            </a:extLst>
+          </p:cNvPr>
+          <p:cNvCxnSpPr>
+            <a:cxnSpLocks/>
+          </p:cNvCxnSpPr>
+          <p:nvPr/>
+        </p:nvCxnSpPr>
+        <p:spPr>
+          <a:xfrm>
+            <a:off x="3466522" y="3225341"/>
+            <a:ext cx="1410856" cy="0"/>
+          </a:xfrm>
+          <a:prstGeom prst="straightConnector1">
+            <a:avLst/>
+          </a:prstGeom>
+          <a:ln w="57150">
+            <a:solidFill>
+              <a:srgbClr val="397DCF"/>
+            </a:solidFill>
+            <a:tailEnd type="triangle"/>
+          </a:ln>
+        </p:spPr>
+        <p:style>
+          <a:lnRef idx="1">
+            <a:schemeClr val="accent1"/>
+          </a:lnRef>
+          <a:fillRef idx="0">
+            <a:schemeClr val="accent1"/>
+          </a:fillRef>
+          <a:effectRef idx="0">
+            <a:schemeClr val="accent1"/>
+          </a:effectRef>
+          <a:fontRef idx="minor">
+            <a:schemeClr val="tx1"/>
+          </a:fontRef>
+        </p:style>
+      </p:cxnSp>
+      <p:sp>
+        <p:nvSpPr>
+          <p:cNvPr id="15" name="TextBox 14">
+            <a:extLst>
+              <a:ext uri="{FF2B5EF4-FFF2-40B4-BE49-F238E27FC236}">
+                <a16:creationId xmlns:a16="http://schemas.microsoft.com/office/drawing/2014/main" id="{E47C9AE1-C197-C84C-3FE6-8968AF13D855}"/>
+              </a:ext>
+            </a:extLst>
+          </p:cNvPr>
+          <p:cNvSpPr txBox="1"/>
+          <p:nvPr/>
+        </p:nvSpPr>
+        <p:spPr>
+          <a:xfrm>
+            <a:off x="3524248" y="2808227"/>
+            <a:ext cx="1496291" cy="400110"/>
+          </a:xfrm>
+          <a:prstGeom prst="rect">
+            <a:avLst/>
+          </a:prstGeom>
+          <a:noFill/>
+        </p:spPr>
+        <p:txBody>
+          <a:bodyPr wrap="square">
+            <a:spAutoFit/>
+          </a:bodyPr>
+          <a:lstStyle/>
+          <a:p>
+            <a:pPr algn="l"/>
+            <a:r>
+              <a:rPr lang="vi-VN" sz="2000" b="1" i="0">
+                <a:effectLst/>
+                <a:latin typeface="ca"/>
+                <a:cs typeface="Calibri" panose="020F0502020204030204" pitchFamily="34" charset="0"/>
+              </a:rPr>
+              <a:t>POWER</a:t>
+            </a:r>
+          </a:p>
+        </p:txBody>
+      </p:sp>
+    </p:spTree>
+    <p:extLst>
+      <p:ext uri="{BB962C8B-B14F-4D97-AF65-F5344CB8AC3E}">
+        <p14:creationId xmlns:p14="http://schemas.microsoft.com/office/powerpoint/2010/main" val="2442685025"/>
       </p:ext>
     </p:extLst>
   </p:cSld>
